--- a/ECE_Midterm.pptx
+++ b/ECE_Midterm.pptx
@@ -8,8 +8,10 @@
     <p:sldId id="256" r:id="rId2"/>
     <p:sldId id="257" r:id="rId3"/>
     <p:sldId id="259" r:id="rId4"/>
-    <p:sldId id="260" r:id="rId5"/>
-    <p:sldId id="258" r:id="rId6"/>
+    <p:sldId id="261" r:id="rId5"/>
+    <p:sldId id="262" r:id="rId6"/>
+    <p:sldId id="258" r:id="rId7"/>
+    <p:sldId id="260" r:id="rId8"/>
   </p:sldIdLst>
   <p:sldSz cx="12192000" cy="6858000"/>
   <p:notesSz cx="6858000" cy="9144000"/>
@@ -4392,7 +4394,7 @@
           <a:p>
             <a:fld id="{48A87A34-81AB-432B-8DAE-1953F412C126}" type="datetimeFigureOut">
               <a:rPr lang="en-US" smtClean="0"/>
-              <a:t>3/2/2019</a:t>
+              <a:t>3/6/2019</a:t>
             </a:fld>
             <a:endParaRPr lang="en-US" dirty="0"/>
           </a:p>
@@ -4659,7 +4661,7 @@
           <a:p>
             <a:fld id="{48A87A34-81AB-432B-8DAE-1953F412C126}" type="datetimeFigureOut">
               <a:rPr lang="en-US" smtClean="0"/>
-              <a:t>3/2/2019</a:t>
+              <a:t>3/6/2019</a:t>
             </a:fld>
             <a:endParaRPr lang="en-US" dirty="0"/>
           </a:p>
@@ -4855,7 +4857,7 @@
           <a:p>
             <a:fld id="{48A87A34-81AB-432B-8DAE-1953F412C126}" type="datetimeFigureOut">
               <a:rPr lang="en-US" smtClean="0"/>
-              <a:t>3/2/2019</a:t>
+              <a:t>3/6/2019</a:t>
             </a:fld>
             <a:endParaRPr lang="en-US" dirty="0"/>
           </a:p>
@@ -5118,7 +5120,7 @@
           <a:p>
             <a:fld id="{48A87A34-81AB-432B-8DAE-1953F412C126}" type="datetimeFigureOut">
               <a:rPr lang="en-US" smtClean="0"/>
-              <a:t>3/2/2019</a:t>
+              <a:t>3/6/2019</a:t>
             </a:fld>
             <a:endParaRPr lang="en-US" dirty="0"/>
           </a:p>
@@ -5552,7 +5554,7 @@
           <a:p>
             <a:fld id="{48A87A34-81AB-432B-8DAE-1953F412C126}" type="datetimeFigureOut">
               <a:rPr lang="en-US" smtClean="0"/>
-              <a:t>3/2/2019</a:t>
+              <a:t>3/6/2019</a:t>
             </a:fld>
             <a:endParaRPr lang="en-US" dirty="0"/>
           </a:p>
@@ -6098,7 +6100,7 @@
           <a:p>
             <a:fld id="{48A87A34-81AB-432B-8DAE-1953F412C126}" type="datetimeFigureOut">
               <a:rPr lang="en-US" smtClean="0"/>
-              <a:t>3/2/2019</a:t>
+              <a:t>3/6/2019</a:t>
             </a:fld>
             <a:endParaRPr lang="en-US" dirty="0"/>
           </a:p>
@@ -6818,7 +6820,7 @@
           <a:p>
             <a:fld id="{48A87A34-81AB-432B-8DAE-1953F412C126}" type="datetimeFigureOut">
               <a:rPr lang="en-US" smtClean="0"/>
-              <a:t>3/2/2019</a:t>
+              <a:t>3/6/2019</a:t>
             </a:fld>
             <a:endParaRPr lang="en-US" dirty="0"/>
           </a:p>
@@ -6988,7 +6990,7 @@
           <a:p>
             <a:fld id="{48A87A34-81AB-432B-8DAE-1953F412C126}" type="datetimeFigureOut">
               <a:rPr lang="en-US" smtClean="0"/>
-              <a:t>3/2/2019</a:t>
+              <a:t>3/6/2019</a:t>
             </a:fld>
             <a:endParaRPr lang="en-US" dirty="0"/>
           </a:p>
@@ -7168,7 +7170,7 @@
           <a:p>
             <a:fld id="{48A87A34-81AB-432B-8DAE-1953F412C126}" type="datetimeFigureOut">
               <a:rPr lang="en-US" smtClean="0"/>
-              <a:t>3/2/2019</a:t>
+              <a:t>3/6/2019</a:t>
             </a:fld>
             <a:endParaRPr lang="en-US" dirty="0"/>
           </a:p>
@@ -7338,7 +7340,7 @@
           <a:p>
             <a:fld id="{48A87A34-81AB-432B-8DAE-1953F412C126}" type="datetimeFigureOut">
               <a:rPr lang="en-US" smtClean="0"/>
-              <a:t>3/2/2019</a:t>
+              <a:t>3/6/2019</a:t>
             </a:fld>
             <a:endParaRPr lang="en-US" dirty="0"/>
           </a:p>
@@ -7588,7 +7590,7 @@
           <a:p>
             <a:fld id="{48A87A34-81AB-432B-8DAE-1953F412C126}" type="datetimeFigureOut">
               <a:rPr lang="en-US" smtClean="0"/>
-              <a:t>3/2/2019</a:t>
+              <a:t>3/6/2019</a:t>
             </a:fld>
             <a:endParaRPr lang="en-US" dirty="0"/>
           </a:p>
@@ -7820,7 +7822,7 @@
           <a:p>
             <a:fld id="{48A87A34-81AB-432B-8DAE-1953F412C126}" type="datetimeFigureOut">
               <a:rPr lang="en-US" smtClean="0"/>
-              <a:t>3/2/2019</a:t>
+              <a:t>3/6/2019</a:t>
             </a:fld>
             <a:endParaRPr lang="en-US" dirty="0"/>
           </a:p>
@@ -8201,7 +8203,7 @@
           <a:p>
             <a:fld id="{48A87A34-81AB-432B-8DAE-1953F412C126}" type="datetimeFigureOut">
               <a:rPr lang="en-US" smtClean="0"/>
-              <a:t>3/2/2019</a:t>
+              <a:t>3/6/2019</a:t>
             </a:fld>
             <a:endParaRPr lang="en-US" dirty="0"/>
           </a:p>
@@ -8319,7 +8321,7 @@
           <a:p>
             <a:fld id="{48A87A34-81AB-432B-8DAE-1953F412C126}" type="datetimeFigureOut">
               <a:rPr lang="en-US" smtClean="0"/>
-              <a:t>3/2/2019</a:t>
+              <a:t>3/6/2019</a:t>
             </a:fld>
             <a:endParaRPr lang="en-US" dirty="0"/>
           </a:p>
@@ -8414,7 +8416,7 @@
           <a:p>
             <a:fld id="{48A87A34-81AB-432B-8DAE-1953F412C126}" type="datetimeFigureOut">
               <a:rPr lang="en-US" smtClean="0"/>
-              <a:t>3/2/2019</a:t>
+              <a:t>3/6/2019</a:t>
             </a:fld>
             <a:endParaRPr lang="en-US" dirty="0"/>
           </a:p>
@@ -8663,7 +8665,7 @@
           <a:p>
             <a:fld id="{48A87A34-81AB-432B-8DAE-1953F412C126}" type="datetimeFigureOut">
               <a:rPr lang="en-US" smtClean="0"/>
-              <a:t>3/2/2019</a:t>
+              <a:t>3/6/2019</a:t>
             </a:fld>
             <a:endParaRPr lang="en-US" dirty="0"/>
           </a:p>
@@ -8943,7 +8945,7 @@
           <a:p>
             <a:fld id="{48A87A34-81AB-432B-8DAE-1953F412C126}" type="datetimeFigureOut">
               <a:rPr lang="en-US" smtClean="0"/>
-              <a:t>3/2/2019</a:t>
+              <a:t>3/6/2019</a:t>
             </a:fld>
             <a:endParaRPr lang="en-US" dirty="0"/>
           </a:p>
@@ -12021,7 +12023,7 @@
             <a:fld id="{48A87A34-81AB-432B-8DAE-1953F412C126}" type="datetimeFigureOut">
               <a:rPr lang="en-US" smtClean="0"/>
               <a:pPr/>
-              <a:t>3/2/2019</a:t>
+              <a:t>3/6/2019</a:t>
             </a:fld>
             <a:endParaRPr lang="en-US" dirty="0"/>
           </a:p>
@@ -12643,10 +12645,10 @@
       </p:grpSpPr>
       <p:pic>
         <p:nvPicPr>
-          <p:cNvPr id="5" name="Picture 4">
+          <p:cNvPr id="3" name="Picture 2">
             <a:extLst>
               <a:ext uri="{FF2B5EF4-FFF2-40B4-BE49-F238E27FC236}">
-                <a16:creationId xmlns:a16="http://schemas.microsoft.com/office/drawing/2014/main" id="{A1E3DD42-D1EC-4048-9ED9-00FC9CE3776B}"/>
+                <a16:creationId xmlns:a16="http://schemas.microsoft.com/office/drawing/2014/main" id="{1DCEB79C-03A8-40AE-8A8B-7F228BC2C02A}"/>
               </a:ext>
             </a:extLst>
           </p:cNvPr>
@@ -12663,8 +12665,8 @@
         </p:blipFill>
         <p:spPr>
           <a:xfrm>
-            <a:off x="2176720" y="1299411"/>
-            <a:ext cx="7063533" cy="5257022"/>
+            <a:off x="2370925" y="1319062"/>
+            <a:ext cx="6675120" cy="5386397"/>
           </a:xfrm>
           <a:prstGeom prst="rect">
             <a:avLst/>
@@ -12685,8 +12687,8 @@
         </p:nvSpPr>
         <p:spPr>
           <a:xfrm>
-            <a:off x="2514599" y="1832448"/>
-            <a:ext cx="1673215" cy="369332"/>
+            <a:off x="2681237" y="2289646"/>
+            <a:ext cx="1345112" cy="307777"/>
           </a:xfrm>
           <a:prstGeom prst="rect">
             <a:avLst/>
@@ -12700,105 +12702,13 @@
           <a:lstStyle/>
           <a:p>
             <a:r>
-              <a:rPr lang="en-US" dirty="0">
+              <a:rPr lang="en-US" sz="1400" dirty="0">
                 <a:solidFill>
                   <a:schemeClr val="bg1"/>
                 </a:solidFill>
               </a:rPr>
               <a:t>Camera Module</a:t>
             </a:r>
-          </a:p>
-        </p:txBody>
-      </p:sp>
-      <p:sp>
-        <p:nvSpPr>
-          <p:cNvPr id="7" name="Arrow: Down 6">
-            <a:extLst>
-              <a:ext uri="{FF2B5EF4-FFF2-40B4-BE49-F238E27FC236}">
-                <a16:creationId xmlns:a16="http://schemas.microsoft.com/office/drawing/2014/main" id="{5170A31B-675F-43AA-B52C-50A0EB565218}"/>
-              </a:ext>
-            </a:extLst>
-          </p:cNvPr>
-          <p:cNvSpPr/>
-          <p:nvPr/>
-        </p:nvSpPr>
-        <p:spPr>
-          <a:xfrm>
-            <a:off x="3212844" y="2201780"/>
-            <a:ext cx="276726" cy="228600"/>
-          </a:xfrm>
-          <a:prstGeom prst="downArrow">
-            <a:avLst/>
-          </a:prstGeom>
-        </p:spPr>
-        <p:style>
-          <a:lnRef idx="2">
-            <a:schemeClr val="accent1">
-              <a:shade val="50000"/>
-            </a:schemeClr>
-          </a:lnRef>
-          <a:fillRef idx="1">
-            <a:schemeClr val="accent1"/>
-          </a:fillRef>
-          <a:effectRef idx="0">
-            <a:schemeClr val="accent1"/>
-          </a:effectRef>
-          <a:fontRef idx="minor">
-            <a:schemeClr val="lt1"/>
-          </a:fontRef>
-        </p:style>
-        <p:txBody>
-          <a:bodyPr rtlCol="0" anchor="ctr"/>
-          <a:lstStyle/>
-          <a:p>
-            <a:pPr algn="ctr"/>
-            <a:endParaRPr lang="en-US"/>
-          </a:p>
-        </p:txBody>
-      </p:sp>
-      <p:sp>
-        <p:nvSpPr>
-          <p:cNvPr id="8" name="Arrow: Right 7">
-            <a:extLst>
-              <a:ext uri="{FF2B5EF4-FFF2-40B4-BE49-F238E27FC236}">
-                <a16:creationId xmlns:a16="http://schemas.microsoft.com/office/drawing/2014/main" id="{7389CCE8-5E5A-4ED6-89E4-DE04BB4A286B}"/>
-              </a:ext>
-            </a:extLst>
-          </p:cNvPr>
-          <p:cNvSpPr/>
-          <p:nvPr/>
-        </p:nvSpPr>
-        <p:spPr>
-          <a:xfrm rot="10800000">
-            <a:off x="5931568" y="1736194"/>
-            <a:ext cx="328863" cy="192506"/>
-          </a:xfrm>
-          <a:prstGeom prst="rightArrow">
-            <a:avLst/>
-          </a:prstGeom>
-        </p:spPr>
-        <p:style>
-          <a:lnRef idx="2">
-            <a:schemeClr val="accent1">
-              <a:shade val="50000"/>
-            </a:schemeClr>
-          </a:lnRef>
-          <a:fillRef idx="1">
-            <a:schemeClr val="accent1"/>
-          </a:fillRef>
-          <a:effectRef idx="0">
-            <a:schemeClr val="accent1"/>
-          </a:effectRef>
-          <a:fontRef idx="minor">
-            <a:schemeClr val="lt1"/>
-          </a:fontRef>
-        </p:style>
-        <p:txBody>
-          <a:bodyPr rtlCol="0" anchor="ctr"/>
-          <a:lstStyle/>
-          <a:p>
-            <a:pPr algn="ctr"/>
-            <a:endParaRPr lang="en-US"/>
           </a:p>
         </p:txBody>
       </p:sp>
@@ -12816,8 +12726,8 @@
         </p:nvSpPr>
         <p:spPr>
           <a:xfrm>
-            <a:off x="6260431" y="1647782"/>
-            <a:ext cx="2474716" cy="369332"/>
+            <a:off x="2312736" y="5661843"/>
+            <a:ext cx="2082115" cy="307777"/>
           </a:xfrm>
           <a:prstGeom prst="rect">
             <a:avLst/>
@@ -12825,13 +12735,13 @@
           <a:noFill/>
         </p:spPr>
         <p:txBody>
-          <a:bodyPr wrap="none" rtlCol="0">
+          <a:bodyPr wrap="square" rtlCol="0">
             <a:spAutoFit/>
           </a:bodyPr>
           <a:lstStyle/>
           <a:p>
             <a:r>
-              <a:rPr lang="en-US" dirty="0">
+              <a:rPr lang="en-US" sz="1400" dirty="0">
                 <a:solidFill>
                   <a:schemeClr val="bg1"/>
                 </a:solidFill>
@@ -12884,6 +12794,45 @@
                 </a:effectLst>
               </a:rPr>
               <a:t>Simple Security System</a:t>
+            </a:r>
+          </a:p>
+        </p:txBody>
+      </p:sp>
+      <p:sp>
+        <p:nvSpPr>
+          <p:cNvPr id="11" name="TextBox 10">
+            <a:extLst>
+              <a:ext uri="{FF2B5EF4-FFF2-40B4-BE49-F238E27FC236}">
+                <a16:creationId xmlns:a16="http://schemas.microsoft.com/office/drawing/2014/main" id="{0419E6E8-75CC-4CA5-9E3E-DD1D522E5F56}"/>
+              </a:ext>
+            </a:extLst>
+          </p:cNvPr>
+          <p:cNvSpPr txBox="1"/>
+          <p:nvPr/>
+        </p:nvSpPr>
+        <p:spPr>
+          <a:xfrm>
+            <a:off x="5708485" y="1853738"/>
+            <a:ext cx="1096775" cy="307777"/>
+          </a:xfrm>
+          <a:prstGeom prst="rect">
+            <a:avLst/>
+          </a:prstGeom>
+          <a:noFill/>
+        </p:spPr>
+        <p:txBody>
+          <a:bodyPr wrap="none" rtlCol="0">
+            <a:spAutoFit/>
+          </a:bodyPr>
+          <a:lstStyle/>
+          <a:p>
+            <a:r>
+              <a:rPr lang="en-US" sz="1400" dirty="0">
+                <a:solidFill>
+                  <a:schemeClr val="bg1"/>
+                </a:solidFill>
+              </a:rPr>
+              <a:t>Piezo Buzzer</a:t>
             </a:r>
           </a:p>
         </p:txBody>
@@ -12983,7 +12932,7 @@
           </p:nvPr>
         </p:nvPicPr>
         <p:blipFill>
-          <a:blip r:embed="rId3"/>
+          <a:blip r:embed="rId4"/>
           <a:stretch>
             <a:fillRect/>
           </a:stretch>
@@ -12998,6 +12947,113 @@
           </a:prstGeom>
         </p:spPr>
       </p:pic>
+      <p:pic>
+        <p:nvPicPr>
+          <p:cNvPr id="2" name="Online Media 1">
+            <a:hlinkClick r:id="" action="ppaction://media"/>
+            <a:extLst>
+              <a:ext uri="{FF2B5EF4-FFF2-40B4-BE49-F238E27FC236}">
+                <a16:creationId xmlns:a16="http://schemas.microsoft.com/office/drawing/2014/main" id="{B91C06FF-0935-4870-8D9D-EACC81D1AD97}"/>
+              </a:ext>
+            </a:extLst>
+          </p:cNvPr>
+          <p:cNvPicPr>
+            <a:picLocks noRot="1" noChangeAspect="1"/>
+          </p:cNvPicPr>
+          <p:nvPr>
+            <a:videoFile r:link="rId2"/>
+          </p:nvPr>
+        </p:nvPicPr>
+        <p:blipFill>
+          <a:blip r:embed="rId4"/>
+          <a:stretch>
+            <a:fillRect/>
+          </a:stretch>
+        </p:blipFill>
+        <p:spPr>
+          <a:xfrm>
+            <a:off x="6769768" y="2143125"/>
+            <a:ext cx="4572000" cy="2571750"/>
+          </a:xfrm>
+          <a:prstGeom prst="rect">
+            <a:avLst/>
+          </a:prstGeom>
+        </p:spPr>
+      </p:pic>
+      <p:sp>
+        <p:nvSpPr>
+          <p:cNvPr id="3" name="TextBox 2">
+            <a:extLst>
+              <a:ext uri="{FF2B5EF4-FFF2-40B4-BE49-F238E27FC236}">
+                <a16:creationId xmlns:a16="http://schemas.microsoft.com/office/drawing/2014/main" id="{99415E86-A99A-432C-8C21-02870E43FD41}"/>
+              </a:ext>
+            </a:extLst>
+          </p:cNvPr>
+          <p:cNvSpPr txBox="1"/>
+          <p:nvPr/>
+        </p:nvSpPr>
+        <p:spPr>
+          <a:xfrm>
+            <a:off x="2420331" y="4879570"/>
+            <a:ext cx="1431802" cy="369332"/>
+          </a:xfrm>
+          <a:prstGeom prst="rect">
+            <a:avLst/>
+          </a:prstGeom>
+          <a:noFill/>
+        </p:spPr>
+        <p:txBody>
+          <a:bodyPr wrap="none" rtlCol="0">
+            <a:spAutoFit/>
+          </a:bodyPr>
+          <a:lstStyle/>
+          <a:p>
+            <a:r>
+              <a:rPr lang="en-US" dirty="0" err="1"/>
+              <a:t>Arducam</a:t>
+            </a:r>
+            <a:r>
+              <a:rPr lang="en-US" dirty="0"/>
+              <a:t> APP</a:t>
+            </a:r>
+          </a:p>
+        </p:txBody>
+      </p:sp>
+      <p:sp>
+        <p:nvSpPr>
+          <p:cNvPr id="6" name="TextBox 5">
+            <a:extLst>
+              <a:ext uri="{FF2B5EF4-FFF2-40B4-BE49-F238E27FC236}">
+                <a16:creationId xmlns:a16="http://schemas.microsoft.com/office/drawing/2014/main" id="{D82E4D69-AB0A-4E8B-B3AE-63396081EA09}"/>
+              </a:ext>
+            </a:extLst>
+          </p:cNvPr>
+          <p:cNvSpPr txBox="1"/>
+          <p:nvPr/>
+        </p:nvSpPr>
+        <p:spPr>
+          <a:xfrm>
+            <a:off x="8226053" y="4879570"/>
+            <a:ext cx="1659429" cy="369332"/>
+          </a:xfrm>
+          <a:prstGeom prst="rect">
+            <a:avLst/>
+          </a:prstGeom>
+          <a:noFill/>
+        </p:spPr>
+        <p:txBody>
+          <a:bodyPr wrap="none" rtlCol="0">
+            <a:spAutoFit/>
+          </a:bodyPr>
+          <a:lstStyle/>
+          <a:p>
+            <a:r>
+              <a:rPr lang="en-US" dirty="0"/>
+              <a:t>JPEG in TXT File</a:t>
+            </a:r>
+          </a:p>
+        </p:txBody>
+      </p:sp>
     </p:spTree>
     <p:extLst>
       <p:ext uri="{BB962C8B-B14F-4D97-AF65-F5344CB8AC3E}">
@@ -13028,130 +13084,40 @@
           <a:chExt cx="0" cy="0"/>
         </a:xfrm>
       </p:grpSpPr>
-      <p:sp>
-        <p:nvSpPr>
-          <p:cNvPr id="5" name="Rectangle 4">
+      <p:pic>
+        <p:nvPicPr>
+          <p:cNvPr id="5" name="Picture 4">
             <a:extLst>
               <a:ext uri="{FF2B5EF4-FFF2-40B4-BE49-F238E27FC236}">
-                <a16:creationId xmlns:a16="http://schemas.microsoft.com/office/drawing/2014/main" id="{9D4C3DCE-EBAC-47FC-A89C-1F0D809F5988}"/>
+                <a16:creationId xmlns:a16="http://schemas.microsoft.com/office/drawing/2014/main" id="{3263E693-E67D-4059-9FB2-144B2D188D4B}"/>
               </a:ext>
             </a:extLst>
           </p:cNvPr>
-          <p:cNvSpPr/>
+          <p:cNvPicPr>
+            <a:picLocks noChangeAspect="1"/>
+          </p:cNvPicPr>
           <p:nvPr/>
-        </p:nvSpPr>
+        </p:nvPicPr>
+        <p:blipFill>
+          <a:blip r:embed="rId2"/>
+          <a:stretch>
+            <a:fillRect/>
+          </a:stretch>
+        </p:blipFill>
         <p:spPr>
           <a:xfrm>
-            <a:off x="1467841" y="335793"/>
-            <a:ext cx="9256317" cy="923330"/>
+            <a:off x="1047045" y="151942"/>
+            <a:ext cx="10097909" cy="6554115"/>
           </a:xfrm>
           <a:prstGeom prst="rect">
             <a:avLst/>
           </a:prstGeom>
-          <a:noFill/>
         </p:spPr>
-        <p:txBody>
-          <a:bodyPr wrap="none" lIns="91440" tIns="45720" rIns="91440" bIns="45720">
-            <a:spAutoFit/>
-          </a:bodyPr>
-          <a:lstStyle/>
-          <a:p>
-            <a:pPr algn="ctr"/>
-            <a:r>
-              <a:rPr lang="en-US" sz="5400" b="0" cap="none" spc="0" dirty="0">
-                <a:ln w="0"/>
-                <a:solidFill>
-                  <a:schemeClr val="tx2">
-                    <a:lumMod val="40000"/>
-                    <a:lumOff val="60000"/>
-                  </a:schemeClr>
-                </a:solidFill>
-                <a:effectLst>
-                  <a:reflection blurRad="6350" stA="53000" endA="300" endPos="35500" dir="5400000" sy="-90000" algn="bl" rotWithShape="0"/>
-                </a:effectLst>
-              </a:rPr>
-              <a:t>Basic Info About Camera Module</a:t>
-            </a:r>
-          </a:p>
-        </p:txBody>
-      </p:sp>
-      <p:sp>
-        <p:nvSpPr>
-          <p:cNvPr id="7" name="TextBox 6">
-            <a:extLst>
-              <a:ext uri="{FF2B5EF4-FFF2-40B4-BE49-F238E27FC236}">
-                <a16:creationId xmlns:a16="http://schemas.microsoft.com/office/drawing/2014/main" id="{60176B9D-631C-4F61-9428-AEE2DC2074D9}"/>
-              </a:ext>
-            </a:extLst>
-          </p:cNvPr>
-          <p:cNvSpPr txBox="1"/>
-          <p:nvPr/>
-        </p:nvSpPr>
-        <p:spPr>
-          <a:xfrm>
-            <a:off x="1335505" y="2358187"/>
-            <a:ext cx="9388653" cy="2554545"/>
-          </a:xfrm>
-          <a:prstGeom prst="rect">
-            <a:avLst/>
-          </a:prstGeom>
-          <a:noFill/>
-        </p:spPr>
-        <p:txBody>
-          <a:bodyPr wrap="square" rtlCol="0">
-            <a:spAutoFit/>
-          </a:bodyPr>
-          <a:lstStyle/>
-          <a:p>
-            <a:pPr marL="285750" indent="-285750">
-              <a:buFont typeface="Arial" panose="020B0604020202020204" pitchFamily="34" charset="0"/>
-              <a:buChar char="•"/>
-            </a:pPr>
-            <a:r>
-              <a:rPr lang="en-US" sz="3200" dirty="0"/>
-              <a:t>Serial Peripheral Interface (SPI)</a:t>
-            </a:r>
-          </a:p>
-          <a:p>
-            <a:pPr marL="285750" indent="-285750">
-              <a:buFont typeface="Arial" panose="020B0604020202020204" pitchFamily="34" charset="0"/>
-              <a:buChar char="•"/>
-            </a:pPr>
-            <a:endParaRPr lang="en-US" sz="3200" dirty="0"/>
-          </a:p>
-          <a:p>
-            <a:pPr marL="285750" indent="-285750">
-              <a:buFont typeface="Arial" panose="020B0604020202020204" pitchFamily="34" charset="0"/>
-              <a:buChar char="•"/>
-            </a:pPr>
-            <a:r>
-              <a:rPr lang="en-US" sz="3200" dirty="0"/>
-              <a:t>Read File</a:t>
-            </a:r>
-          </a:p>
-          <a:p>
-            <a:pPr marL="285750" indent="-285750">
-              <a:buFont typeface="Arial" panose="020B0604020202020204" pitchFamily="34" charset="0"/>
-              <a:buChar char="•"/>
-            </a:pPr>
-            <a:endParaRPr lang="en-US" sz="3200" dirty="0"/>
-          </a:p>
-          <a:p>
-            <a:pPr marL="285750" indent="-285750">
-              <a:buFont typeface="Arial" panose="020B0604020202020204" pitchFamily="34" charset="0"/>
-              <a:buChar char="•"/>
-            </a:pPr>
-            <a:r>
-              <a:rPr lang="en-US" sz="3200" dirty="0"/>
-              <a:t>Save image</a:t>
-            </a:r>
-          </a:p>
-        </p:txBody>
-      </p:sp>
+      </p:pic>
     </p:spTree>
     <p:extLst>
       <p:ext uri="{BB962C8B-B14F-4D97-AF65-F5344CB8AC3E}">
-        <p14:creationId xmlns:p14="http://schemas.microsoft.com/office/powerpoint/2010/main" val="4026381281"/>
+        <p14:creationId xmlns:p14="http://schemas.microsoft.com/office/powerpoint/2010/main" val="2901209005"/>
       </p:ext>
     </p:extLst>
   </p:cSld>
@@ -13162,6 +13128,200 @@
 </file>
 
 <file path=ppt/slides/slide5.xml><?xml version="1.0" encoding="utf-8"?>
+<p:sld xmlns:a="http://schemas.openxmlformats.org/drawingml/2006/main" xmlns:r="http://schemas.openxmlformats.org/officeDocument/2006/relationships" xmlns:p="http://schemas.openxmlformats.org/presentationml/2006/main">
+  <p:cSld>
+    <p:spTree>
+      <p:nvGrpSpPr>
+        <p:cNvPr id="1" name=""/>
+        <p:cNvGrpSpPr/>
+        <p:nvPr/>
+      </p:nvGrpSpPr>
+      <p:grpSpPr>
+        <a:xfrm>
+          <a:off x="0" y="0"/>
+          <a:ext cx="0" cy="0"/>
+          <a:chOff x="0" y="0"/>
+          <a:chExt cx="0" cy="0"/>
+        </a:xfrm>
+      </p:grpSpPr>
+      <p:pic>
+        <p:nvPicPr>
+          <p:cNvPr id="7" name="Picture 6">
+            <a:extLst>
+              <a:ext uri="{FF2B5EF4-FFF2-40B4-BE49-F238E27FC236}">
+                <a16:creationId xmlns:a16="http://schemas.microsoft.com/office/drawing/2014/main" id="{53F15F89-BF03-4766-951D-96B0848EE506}"/>
+              </a:ext>
+            </a:extLst>
+          </p:cNvPr>
+          <p:cNvPicPr>
+            <a:picLocks noChangeAspect="1"/>
+          </p:cNvPicPr>
+          <p:nvPr/>
+        </p:nvPicPr>
+        <p:blipFill>
+          <a:blip r:embed="rId2"/>
+          <a:stretch>
+            <a:fillRect/>
+          </a:stretch>
+        </p:blipFill>
+        <p:spPr>
+          <a:xfrm>
+            <a:off x="1285204" y="1691162"/>
+            <a:ext cx="3267136" cy="3475676"/>
+          </a:xfrm>
+          <a:prstGeom prst="rect">
+            <a:avLst/>
+          </a:prstGeom>
+        </p:spPr>
+      </p:pic>
+      <p:pic>
+        <p:nvPicPr>
+          <p:cNvPr id="9" name="Picture 8">
+            <a:extLst>
+              <a:ext uri="{FF2B5EF4-FFF2-40B4-BE49-F238E27FC236}">
+                <a16:creationId xmlns:a16="http://schemas.microsoft.com/office/drawing/2014/main" id="{2A61D774-F960-449C-82AE-45EFC623E875}"/>
+              </a:ext>
+            </a:extLst>
+          </p:cNvPr>
+          <p:cNvPicPr>
+            <a:picLocks noChangeAspect="1"/>
+          </p:cNvPicPr>
+          <p:nvPr/>
+        </p:nvPicPr>
+        <p:blipFill>
+          <a:blip r:embed="rId3"/>
+          <a:stretch>
+            <a:fillRect/>
+          </a:stretch>
+        </p:blipFill>
+        <p:spPr>
+          <a:xfrm>
+            <a:off x="6096000" y="1322444"/>
+            <a:ext cx="4810796" cy="3972479"/>
+          </a:xfrm>
+          <a:prstGeom prst="rect">
+            <a:avLst/>
+          </a:prstGeom>
+        </p:spPr>
+      </p:pic>
+      <p:sp>
+        <p:nvSpPr>
+          <p:cNvPr id="10" name="Oval 9">
+            <a:extLst>
+              <a:ext uri="{FF2B5EF4-FFF2-40B4-BE49-F238E27FC236}">
+                <a16:creationId xmlns:a16="http://schemas.microsoft.com/office/drawing/2014/main" id="{3135A4FE-906C-4846-9287-464AF222C1CA}"/>
+              </a:ext>
+            </a:extLst>
+          </p:cNvPr>
+          <p:cNvSpPr/>
+          <p:nvPr/>
+        </p:nvSpPr>
+        <p:spPr>
+          <a:xfrm>
+            <a:off x="1914135" y="3765885"/>
+            <a:ext cx="2009274" cy="830179"/>
+          </a:xfrm>
+          <a:prstGeom prst="ellipse">
+            <a:avLst/>
+          </a:prstGeom>
+          <a:noFill/>
+          <a:ln w="38100">
+            <a:solidFill>
+              <a:srgbClr val="FF0000"/>
+            </a:solidFill>
+          </a:ln>
+        </p:spPr>
+        <p:style>
+          <a:lnRef idx="2">
+            <a:schemeClr val="accent1">
+              <a:shade val="50000"/>
+            </a:schemeClr>
+          </a:lnRef>
+          <a:fillRef idx="1">
+            <a:schemeClr val="accent1"/>
+          </a:fillRef>
+          <a:effectRef idx="0">
+            <a:schemeClr val="accent1"/>
+          </a:effectRef>
+          <a:fontRef idx="minor">
+            <a:schemeClr val="lt1"/>
+          </a:fontRef>
+        </p:style>
+        <p:txBody>
+          <a:bodyPr rtlCol="0" anchor="ctr"/>
+          <a:lstStyle/>
+          <a:p>
+            <a:pPr algn="ctr"/>
+            <a:endParaRPr lang="en-US"/>
+          </a:p>
+        </p:txBody>
+      </p:sp>
+      <p:sp>
+        <p:nvSpPr>
+          <p:cNvPr id="11" name="Oval 10">
+            <a:extLst>
+              <a:ext uri="{FF2B5EF4-FFF2-40B4-BE49-F238E27FC236}">
+                <a16:creationId xmlns:a16="http://schemas.microsoft.com/office/drawing/2014/main" id="{6121F971-5481-437B-9810-4141C19AF46A}"/>
+              </a:ext>
+            </a:extLst>
+          </p:cNvPr>
+          <p:cNvSpPr/>
+          <p:nvPr/>
+        </p:nvSpPr>
+        <p:spPr>
+          <a:xfrm>
+            <a:off x="7110663" y="1985210"/>
+            <a:ext cx="890337" cy="288757"/>
+          </a:xfrm>
+          <a:prstGeom prst="ellipse">
+            <a:avLst/>
+          </a:prstGeom>
+          <a:noFill/>
+          <a:ln>
+            <a:solidFill>
+              <a:srgbClr val="FF0000"/>
+            </a:solidFill>
+          </a:ln>
+        </p:spPr>
+        <p:style>
+          <a:lnRef idx="2">
+            <a:schemeClr val="accent1">
+              <a:shade val="50000"/>
+            </a:schemeClr>
+          </a:lnRef>
+          <a:fillRef idx="1">
+            <a:schemeClr val="accent1"/>
+          </a:fillRef>
+          <a:effectRef idx="0">
+            <a:schemeClr val="accent1"/>
+          </a:effectRef>
+          <a:fontRef idx="minor">
+            <a:schemeClr val="lt1"/>
+          </a:fontRef>
+        </p:style>
+        <p:txBody>
+          <a:bodyPr rtlCol="0" anchor="ctr"/>
+          <a:lstStyle/>
+          <a:p>
+            <a:pPr algn="ctr"/>
+            <a:endParaRPr lang="en-US"/>
+          </a:p>
+        </p:txBody>
+      </p:sp>
+    </p:spTree>
+    <p:extLst>
+      <p:ext uri="{BB962C8B-B14F-4D97-AF65-F5344CB8AC3E}">
+        <p14:creationId xmlns:p14="http://schemas.microsoft.com/office/powerpoint/2010/main" val="3798978145"/>
+      </p:ext>
+    </p:extLst>
+  </p:cSld>
+  <p:clrMapOvr>
+    <a:masterClrMapping/>
+  </p:clrMapOvr>
+</p:sld>
+</file>
+
+<file path=ppt/slides/slide6.xml><?xml version="1.0" encoding="utf-8"?>
 <p:sld xmlns:a="http://schemas.openxmlformats.org/drawingml/2006/main" xmlns:r="http://schemas.openxmlformats.org/officeDocument/2006/relationships" xmlns:p="http://schemas.openxmlformats.org/presentationml/2006/main">
   <p:cSld>
     <p:spTree>
@@ -13385,6 +13545,212 @@
     <p:extLst>
       <p:ext uri="{BB962C8B-B14F-4D97-AF65-F5344CB8AC3E}">
         <p14:creationId xmlns:p14="http://schemas.microsoft.com/office/powerpoint/2010/main" val="2649378614"/>
+      </p:ext>
+    </p:extLst>
+  </p:cSld>
+  <p:clrMapOvr>
+    <a:masterClrMapping/>
+  </p:clrMapOvr>
+</p:sld>
+</file>
+
+<file path=ppt/slides/slide7.xml><?xml version="1.0" encoding="utf-8"?>
+<p:sld xmlns:a="http://schemas.openxmlformats.org/drawingml/2006/main" xmlns:r="http://schemas.openxmlformats.org/officeDocument/2006/relationships" xmlns:p="http://schemas.openxmlformats.org/presentationml/2006/main">
+  <p:cSld>
+    <p:spTree>
+      <p:nvGrpSpPr>
+        <p:cNvPr id="1" name=""/>
+        <p:cNvGrpSpPr/>
+        <p:nvPr/>
+      </p:nvGrpSpPr>
+      <p:grpSpPr>
+        <a:xfrm>
+          <a:off x="0" y="0"/>
+          <a:ext cx="0" cy="0"/>
+          <a:chOff x="0" y="0"/>
+          <a:chExt cx="0" cy="0"/>
+        </a:xfrm>
+      </p:grpSpPr>
+      <p:sp>
+        <p:nvSpPr>
+          <p:cNvPr id="5" name="Rectangle 4">
+            <a:extLst>
+              <a:ext uri="{FF2B5EF4-FFF2-40B4-BE49-F238E27FC236}">
+                <a16:creationId xmlns:a16="http://schemas.microsoft.com/office/drawing/2014/main" id="{9D4C3DCE-EBAC-47FC-A89C-1F0D809F5988}"/>
+              </a:ext>
+            </a:extLst>
+          </p:cNvPr>
+          <p:cNvSpPr/>
+          <p:nvPr/>
+        </p:nvSpPr>
+        <p:spPr>
+          <a:xfrm>
+            <a:off x="5412158" y="335793"/>
+            <a:ext cx="1367683" cy="923330"/>
+          </a:xfrm>
+          <a:prstGeom prst="rect">
+            <a:avLst/>
+          </a:prstGeom>
+          <a:noFill/>
+        </p:spPr>
+        <p:txBody>
+          <a:bodyPr wrap="none" lIns="91440" tIns="45720" rIns="91440" bIns="45720">
+            <a:spAutoFit/>
+          </a:bodyPr>
+          <a:lstStyle/>
+          <a:p>
+            <a:pPr algn="ctr"/>
+            <a:r>
+              <a:rPr lang="en-US" sz="5400" b="0" cap="none" spc="0" dirty="0">
+                <a:ln w="0"/>
+                <a:solidFill>
+                  <a:schemeClr val="tx2">
+                    <a:lumMod val="40000"/>
+                    <a:lumOff val="60000"/>
+                  </a:schemeClr>
+                </a:solidFill>
+                <a:effectLst>
+                  <a:reflection blurRad="6350" stA="53000" endA="300" endPos="35500" dir="5400000" sy="-90000" algn="bl" rotWithShape="0"/>
+                </a:effectLst>
+              </a:rPr>
+              <a:t>Cost</a:t>
+            </a:r>
+          </a:p>
+        </p:txBody>
+      </p:sp>
+      <p:sp>
+        <p:nvSpPr>
+          <p:cNvPr id="2" name="TextBox 1">
+            <a:extLst>
+              <a:ext uri="{FF2B5EF4-FFF2-40B4-BE49-F238E27FC236}">
+                <a16:creationId xmlns:a16="http://schemas.microsoft.com/office/drawing/2014/main" id="{E43D0EA2-F2EA-44E6-9F63-C63DE5549705}"/>
+              </a:ext>
+            </a:extLst>
+          </p:cNvPr>
+          <p:cNvSpPr txBox="1"/>
+          <p:nvPr/>
+        </p:nvSpPr>
+        <p:spPr>
+          <a:xfrm>
+            <a:off x="1479884" y="1576137"/>
+            <a:ext cx="9035716" cy="3139321"/>
+          </a:xfrm>
+          <a:prstGeom prst="rect">
+            <a:avLst/>
+          </a:prstGeom>
+          <a:noFill/>
+        </p:spPr>
+        <p:txBody>
+          <a:bodyPr wrap="square" rtlCol="0">
+            <a:spAutoFit/>
+          </a:bodyPr>
+          <a:lstStyle/>
+          <a:p>
+            <a:pPr marL="285750" indent="-285750">
+              <a:buFont typeface="Arial" panose="020B0604020202020204" pitchFamily="34" charset="0"/>
+              <a:buChar char="•"/>
+            </a:pPr>
+            <a:r>
+              <a:rPr lang="en-US" dirty="0"/>
+              <a:t>Arduino Uno			$22</a:t>
+            </a:r>
+          </a:p>
+          <a:p>
+            <a:pPr marL="285750" indent="-285750">
+              <a:buFont typeface="Arial" panose="020B0604020202020204" pitchFamily="34" charset="0"/>
+              <a:buChar char="•"/>
+            </a:pPr>
+            <a:endParaRPr lang="en-US" dirty="0"/>
+          </a:p>
+          <a:p>
+            <a:pPr marL="285750" indent="-285750">
+              <a:buFont typeface="Arial" panose="020B0604020202020204" pitchFamily="34" charset="0"/>
+              <a:buChar char="•"/>
+            </a:pPr>
+            <a:r>
+              <a:rPr lang="en-US" dirty="0"/>
+              <a:t>SD Breakout Board		$15</a:t>
+            </a:r>
+          </a:p>
+          <a:p>
+            <a:pPr marL="285750" indent="-285750">
+              <a:buFont typeface="Arial" panose="020B0604020202020204" pitchFamily="34" charset="0"/>
+              <a:buChar char="•"/>
+            </a:pPr>
+            <a:endParaRPr lang="en-US" dirty="0"/>
+          </a:p>
+          <a:p>
+            <a:pPr marL="285750" indent="-285750">
+              <a:buFont typeface="Arial" panose="020B0604020202020204" pitchFamily="34" charset="0"/>
+              <a:buChar char="•"/>
+            </a:pPr>
+            <a:r>
+              <a:rPr lang="es-ES" dirty="0" err="1"/>
+              <a:t>Spinel</a:t>
+            </a:r>
+            <a:r>
+              <a:rPr lang="es-ES" dirty="0"/>
+              <a:t> Camera			$35</a:t>
+            </a:r>
+          </a:p>
+          <a:p>
+            <a:pPr marL="285750" indent="-285750">
+              <a:buFont typeface="Arial" panose="020B0604020202020204" pitchFamily="34" charset="0"/>
+              <a:buChar char="•"/>
+            </a:pPr>
+            <a:endParaRPr lang="es-ES" dirty="0"/>
+          </a:p>
+          <a:p>
+            <a:pPr marL="285750" indent="-285750">
+              <a:buFont typeface="Arial" panose="020B0604020202020204" pitchFamily="34" charset="0"/>
+              <a:buChar char="•"/>
+            </a:pPr>
+            <a:r>
+              <a:rPr lang="en-US" dirty="0" err="1"/>
+              <a:t>ArduCam</a:t>
+            </a:r>
+            <a:r>
+              <a:rPr lang="en-US" dirty="0"/>
+              <a:t>				$26</a:t>
+            </a:r>
+          </a:p>
+          <a:p>
+            <a:pPr marL="285750" indent="-285750">
+              <a:buFont typeface="Arial" panose="020B0604020202020204" pitchFamily="34" charset="0"/>
+              <a:buChar char="•"/>
+            </a:pPr>
+            <a:endParaRPr lang="en-US" dirty="0"/>
+          </a:p>
+          <a:p>
+            <a:pPr marL="285750" indent="-285750">
+              <a:buFont typeface="Arial" panose="020B0604020202020204" pitchFamily="34" charset="0"/>
+              <a:buChar char="•"/>
+            </a:pPr>
+            <a:endParaRPr lang="en-US" dirty="0"/>
+          </a:p>
+          <a:p>
+            <a:pPr marL="285750" indent="-285750">
+              <a:buFont typeface="Arial" panose="020B0604020202020204" pitchFamily="34" charset="0"/>
+              <a:buChar char="•"/>
+            </a:pPr>
+            <a:endParaRPr lang="en-US" dirty="0"/>
+          </a:p>
+          <a:p>
+            <a:pPr marL="285750" indent="-285750">
+              <a:buFont typeface="Arial" panose="020B0604020202020204" pitchFamily="34" charset="0"/>
+              <a:buChar char="•"/>
+            </a:pPr>
+            <a:r>
+              <a:rPr lang="en-US" dirty="0"/>
+              <a:t>Total : 					$72 / $63</a:t>
+            </a:r>
+          </a:p>
+        </p:txBody>
+      </p:sp>
+    </p:spTree>
+    <p:extLst>
+      <p:ext uri="{BB962C8B-B14F-4D97-AF65-F5344CB8AC3E}">
+        <p14:creationId xmlns:p14="http://schemas.microsoft.com/office/powerpoint/2010/main" val="4026381281"/>
       </p:ext>
     </p:extLst>
   </p:cSld>
